--- a/Calculating Family Expenses Using Service Now.pptx
+++ b/Calculating Family Expenses Using Service Now.pptx
@@ -6,15 +6,16 @@
   </p:sldMasterIdLst>
   <p:sldIdLst>
     <p:sldId id="256" r:id="rId2"/>
-    <p:sldId id="257" r:id="rId3"/>
-    <p:sldId id="258" r:id="rId4"/>
-    <p:sldId id="259" r:id="rId5"/>
-    <p:sldId id="260" r:id="rId6"/>
-    <p:sldId id="261" r:id="rId7"/>
-    <p:sldId id="262" r:id="rId8"/>
-    <p:sldId id="263" r:id="rId9"/>
-    <p:sldId id="264" r:id="rId10"/>
-    <p:sldId id="265" r:id="rId11"/>
+    <p:sldId id="266" r:id="rId3"/>
+    <p:sldId id="257" r:id="rId4"/>
+    <p:sldId id="258" r:id="rId5"/>
+    <p:sldId id="259" r:id="rId6"/>
+    <p:sldId id="260" r:id="rId7"/>
+    <p:sldId id="261" r:id="rId8"/>
+    <p:sldId id="262" r:id="rId9"/>
+    <p:sldId id="263" r:id="rId10"/>
+    <p:sldId id="264" r:id="rId11"/>
+    <p:sldId id="265" r:id="rId12"/>
   </p:sldIdLst>
   <p:sldSz cx="12192000" cy="6858000"/>
   <p:notesSz cx="6858000" cy="9144000"/>
@@ -113,6 +114,11 @@
       </a:defRPr>
     </a:lvl9pPr>
   </p:defaultTextStyle>
+  <p:extLst>
+    <p:ext uri="{EFAFB233-063F-42B5-8137-9DF3F51BA10A}">
+      <p15:sldGuideLst xmlns:p15="http://schemas.microsoft.com/office/powerpoint/2012/main"/>
+    </p:ext>
+  </p:extLst>
 </p:presentation>
 </file>
 
@@ -160,7 +166,7 @@
           </a:lstStyle>
           <a:p>
             <a:r>
-              <a:rPr lang="en-US" smtClean="0"/>
+              <a:rPr lang="en-US"/>
               <a:t>Click to edit Master title style</a:t>
             </a:r>
             <a:endParaRPr lang="en-US" dirty="0"/>
@@ -280,7 +286,7 @@
           </a:lstStyle>
           <a:p>
             <a:r>
-              <a:rPr lang="en-US" smtClean="0"/>
+              <a:rPr lang="en-US"/>
               <a:t>Click to edit Master subtitle style</a:t>
             </a:r>
             <a:endParaRPr lang="en-US" dirty="0"/>
@@ -305,7 +311,7 @@
             <a:fld id="{B61BEF0D-F0BB-DE4B-95CE-6DB70DBA9567}" type="datetimeFigureOut">
               <a:rPr lang="en-US" dirty="0"/>
               <a:pPr/>
-              <a:t>9/7/2025</a:t>
+              <a:t>9/10/2025</a:t>
             </a:fld>
             <a:endParaRPr lang="en-US" dirty="0"/>
           </a:p>
@@ -493,7 +499,7 @@
           </a:lstStyle>
           <a:p>
             <a:r>
-              <a:rPr lang="en-US" smtClean="0"/>
+              <a:rPr lang="en-US"/>
               <a:t>Click to edit Master title style</a:t>
             </a:r>
             <a:endParaRPr lang="en-US" dirty="0"/>
@@ -616,7 +622,7 @@
           <a:p>
             <a:pPr lvl="0"/>
             <a:r>
-              <a:rPr lang="en-US" smtClean="0"/>
+              <a:rPr lang="en-US"/>
               <a:t>Click to edit Master text styles</a:t>
             </a:r>
           </a:p>
@@ -640,7 +646,7 @@
             <a:fld id="{B61BEF0D-F0BB-DE4B-95CE-6DB70DBA9567}" type="datetimeFigureOut">
               <a:rPr lang="en-US" dirty="0"/>
               <a:pPr/>
-              <a:t>9/7/2025</a:t>
+              <a:t>9/10/2025</a:t>
             </a:fld>
             <a:endParaRPr lang="en-US" dirty="0"/>
           </a:p>
@@ -828,7 +834,7 @@
           </a:lstStyle>
           <a:p>
             <a:r>
-              <a:rPr lang="en-US" smtClean="0"/>
+              <a:rPr lang="en-US"/>
               <a:t>Click to edit Master title style</a:t>
             </a:r>
             <a:endParaRPr lang="en-US" dirty="0"/>
@@ -892,7 +898,7 @@
           <a:p>
             <a:pPr lvl="0"/>
             <a:r>
-              <a:rPr lang="en-US" smtClean="0"/>
+              <a:rPr lang="en-US"/>
               <a:t>Click to edit Master text styles</a:t>
             </a:r>
           </a:p>
@@ -1014,7 +1020,7 @@
           <a:p>
             <a:pPr lvl="0"/>
             <a:r>
-              <a:rPr lang="en-US" smtClean="0"/>
+              <a:rPr lang="en-US"/>
               <a:t>Click to edit Master text styles</a:t>
             </a:r>
           </a:p>
@@ -1038,7 +1044,7 @@
             <a:fld id="{B61BEF0D-F0BB-DE4B-95CE-6DB70DBA9567}" type="datetimeFigureOut">
               <a:rPr lang="en-US" dirty="0"/>
               <a:pPr/>
-              <a:t>9/7/2025</a:t>
+              <a:t>9/10/2025</a:t>
             </a:fld>
             <a:endParaRPr lang="en-US" dirty="0"/>
           </a:p>
@@ -1302,7 +1308,7 @@
           </a:lstStyle>
           <a:p>
             <a:r>
-              <a:rPr lang="en-US" smtClean="0"/>
+              <a:rPr lang="en-US"/>
               <a:t>Click to edit Master title style</a:t>
             </a:r>
             <a:endParaRPr lang="en-US" dirty="0"/>
@@ -1347,7 +1353,7 @@
               <a:buNone/>
             </a:pPr>
             <a:r>
-              <a:rPr lang="en-US" smtClean="0"/>
+              <a:rPr lang="en-US"/>
               <a:t>Click to edit Master text styles</a:t>
             </a:r>
           </a:p>
@@ -1371,7 +1377,7 @@
             <a:fld id="{B61BEF0D-F0BB-DE4B-95CE-6DB70DBA9567}" type="datetimeFigureOut">
               <a:rPr lang="en-US" dirty="0"/>
               <a:pPr/>
-              <a:t>9/7/2025</a:t>
+              <a:t>9/10/2025</a:t>
             </a:fld>
             <a:endParaRPr lang="en-US" dirty="0"/>
           </a:p>
@@ -1559,7 +1565,7 @@
           </a:lstStyle>
           <a:p>
             <a:r>
-              <a:rPr lang="en-US" smtClean="0"/>
+              <a:rPr lang="en-US"/>
               <a:t>Click to edit Master title style</a:t>
             </a:r>
             <a:endParaRPr lang="en-US" dirty="0"/>
@@ -1620,7 +1626,7 @@
           <a:p>
             <a:pPr lvl="0"/>
             <a:r>
-              <a:rPr lang="en-US" smtClean="0"/>
+              <a:rPr lang="en-US"/>
               <a:t>Click to edit Master text styles</a:t>
             </a:r>
           </a:p>
@@ -1664,7 +1670,7 @@
               <a:buNone/>
             </a:pPr>
             <a:r>
-              <a:rPr lang="en-US" smtClean="0"/>
+              <a:rPr lang="en-US"/>
               <a:t>Click to edit Master text styles</a:t>
             </a:r>
           </a:p>
@@ -1688,7 +1694,7 @@
             <a:fld id="{B61BEF0D-F0BB-DE4B-95CE-6DB70DBA9567}" type="datetimeFigureOut">
               <a:rPr lang="en-US" dirty="0"/>
               <a:pPr/>
-              <a:t>9/7/2025</a:t>
+              <a:t>9/10/2025</a:t>
             </a:fld>
             <a:endParaRPr lang="en-US" dirty="0"/>
           </a:p>
@@ -1952,7 +1958,7 @@
           </a:lstStyle>
           <a:p>
             <a:r>
-              <a:rPr lang="en-US" smtClean="0"/>
+              <a:rPr lang="en-US"/>
               <a:t>Click to edit Master title style</a:t>
             </a:r>
             <a:endParaRPr lang="en-US" dirty="0"/>
@@ -2013,7 +2019,7 @@
           <a:p>
             <a:pPr lvl="0"/>
             <a:r>
-              <a:rPr lang="en-US" smtClean="0"/>
+              <a:rPr lang="en-US"/>
               <a:t>Click to edit Master text styles</a:t>
             </a:r>
           </a:p>
@@ -2057,7 +2063,7 @@
               <a:buNone/>
             </a:pPr>
             <a:r>
-              <a:rPr lang="en-US" smtClean="0"/>
+              <a:rPr lang="en-US"/>
               <a:t>Click to edit Master text styles</a:t>
             </a:r>
           </a:p>
@@ -2081,7 +2087,7 @@
             <a:fld id="{B61BEF0D-F0BB-DE4B-95CE-6DB70DBA9567}" type="datetimeFigureOut">
               <a:rPr lang="en-US" dirty="0"/>
               <a:pPr/>
-              <a:t>9/7/2025</a:t>
+              <a:t>9/10/2025</a:t>
             </a:fld>
             <a:endParaRPr lang="en-US" dirty="0"/>
           </a:p>
@@ -2258,7 +2264,7 @@
           <a:lstStyle/>
           <a:p>
             <a:r>
-              <a:rPr lang="en-US" smtClean="0"/>
+              <a:rPr lang="en-US"/>
               <a:t>Click to edit Master title style</a:t>
             </a:r>
             <a:endParaRPr lang="en-US" dirty="0"/>
@@ -2282,35 +2288,35 @@
           <a:p>
             <a:pPr lvl="0"/>
             <a:r>
-              <a:rPr lang="en-US" smtClean="0"/>
+              <a:rPr lang="en-US"/>
               <a:t>Click to edit Master text styles</a:t>
             </a:r>
           </a:p>
           <a:p>
             <a:pPr lvl="1"/>
             <a:r>
-              <a:rPr lang="en-US" smtClean="0"/>
+              <a:rPr lang="en-US"/>
               <a:t>Second level</a:t>
             </a:r>
           </a:p>
           <a:p>
             <a:pPr lvl="2"/>
             <a:r>
-              <a:rPr lang="en-US" smtClean="0"/>
+              <a:rPr lang="en-US"/>
               <a:t>Third level</a:t>
             </a:r>
           </a:p>
           <a:p>
             <a:pPr lvl="3"/>
             <a:r>
-              <a:rPr lang="en-US" smtClean="0"/>
+              <a:rPr lang="en-US"/>
               <a:t>Fourth level</a:t>
             </a:r>
           </a:p>
           <a:p>
             <a:pPr lvl="4"/>
             <a:r>
-              <a:rPr lang="en-US" smtClean="0"/>
+              <a:rPr lang="en-US"/>
               <a:t>Fifth level</a:t>
             </a:r>
             <a:endParaRPr lang="en-US" dirty="0"/>
@@ -2335,7 +2341,7 @@
             <a:fld id="{B61BEF0D-F0BB-DE4B-95CE-6DB70DBA9567}" type="datetimeFigureOut">
               <a:rPr lang="en-US" dirty="0"/>
               <a:pPr/>
-              <a:t>9/7/2025</a:t>
+              <a:t>9/10/2025</a:t>
             </a:fld>
             <a:endParaRPr lang="en-US" dirty="0"/>
           </a:p>
@@ -2512,7 +2518,7 @@
           <a:lstStyle/>
           <a:p>
             <a:r>
-              <a:rPr lang="en-US" smtClean="0"/>
+              <a:rPr lang="en-US"/>
               <a:t>Click to edit Master title style</a:t>
             </a:r>
             <a:endParaRPr lang="en-US" dirty="0"/>
@@ -2541,35 +2547,35 @@
           <a:p>
             <a:pPr lvl="0"/>
             <a:r>
-              <a:rPr lang="en-US" smtClean="0"/>
+              <a:rPr lang="en-US"/>
               <a:t>Click to edit Master text styles</a:t>
             </a:r>
           </a:p>
           <a:p>
             <a:pPr lvl="1"/>
             <a:r>
-              <a:rPr lang="en-US" smtClean="0"/>
+              <a:rPr lang="en-US"/>
               <a:t>Second level</a:t>
             </a:r>
           </a:p>
           <a:p>
             <a:pPr lvl="2"/>
             <a:r>
-              <a:rPr lang="en-US" smtClean="0"/>
+              <a:rPr lang="en-US"/>
               <a:t>Third level</a:t>
             </a:r>
           </a:p>
           <a:p>
             <a:pPr lvl="3"/>
             <a:r>
-              <a:rPr lang="en-US" smtClean="0"/>
+              <a:rPr lang="en-US"/>
               <a:t>Fourth level</a:t>
             </a:r>
           </a:p>
           <a:p>
             <a:pPr lvl="4"/>
             <a:r>
-              <a:rPr lang="en-US" smtClean="0"/>
+              <a:rPr lang="en-US"/>
               <a:t>Fifth level</a:t>
             </a:r>
             <a:endParaRPr lang="en-US" dirty="0"/>
@@ -2594,7 +2600,7 @@
             <a:fld id="{B61BEF0D-F0BB-DE4B-95CE-6DB70DBA9567}" type="datetimeFigureOut">
               <a:rPr lang="en-US" dirty="0"/>
               <a:pPr/>
-              <a:t>9/7/2025</a:t>
+              <a:t>9/10/2025</a:t>
             </a:fld>
             <a:endParaRPr lang="en-US" dirty="0"/>
           </a:p>
@@ -2771,7 +2777,7 @@
           <a:lstStyle/>
           <a:p>
             <a:r>
-              <a:rPr lang="en-US" smtClean="0"/>
+              <a:rPr lang="en-US"/>
               <a:t>Click to edit Master title style</a:t>
             </a:r>
             <a:endParaRPr lang="en-US" dirty="0"/>
@@ -2800,35 +2806,35 @@
           <a:p>
             <a:pPr lvl="0"/>
             <a:r>
-              <a:rPr lang="en-US" smtClean="0"/>
+              <a:rPr lang="en-US"/>
               <a:t>Click to edit Master text styles</a:t>
             </a:r>
           </a:p>
           <a:p>
             <a:pPr lvl="1"/>
             <a:r>
-              <a:rPr lang="en-US" smtClean="0"/>
+              <a:rPr lang="en-US"/>
               <a:t>Second level</a:t>
             </a:r>
           </a:p>
           <a:p>
             <a:pPr lvl="2"/>
             <a:r>
-              <a:rPr lang="en-US" smtClean="0"/>
+              <a:rPr lang="en-US"/>
               <a:t>Third level</a:t>
             </a:r>
           </a:p>
           <a:p>
             <a:pPr lvl="3"/>
             <a:r>
-              <a:rPr lang="en-US" smtClean="0"/>
+              <a:rPr lang="en-US"/>
               <a:t>Fourth level</a:t>
             </a:r>
           </a:p>
           <a:p>
             <a:pPr lvl="4"/>
             <a:r>
-              <a:rPr lang="en-US" smtClean="0"/>
+              <a:rPr lang="en-US"/>
               <a:t>Fifth level</a:t>
             </a:r>
             <a:endParaRPr lang="en-US" dirty="0"/>
@@ -2853,7 +2859,7 @@
             <a:fld id="{B61BEF0D-F0BB-DE4B-95CE-6DB70DBA9567}" type="datetimeFigureOut">
               <a:rPr lang="en-US" dirty="0"/>
               <a:pPr/>
-              <a:t>9/7/2025</a:t>
+              <a:t>9/10/2025</a:t>
             </a:fld>
             <a:endParaRPr lang="en-US" dirty="0"/>
           </a:p>
@@ -3034,7 +3040,7 @@
           </a:lstStyle>
           <a:p>
             <a:r>
-              <a:rPr lang="en-US" smtClean="0"/>
+              <a:rPr lang="en-US"/>
               <a:t>Click to edit Master title style</a:t>
             </a:r>
             <a:endParaRPr lang="en-US" dirty="0"/>
@@ -3155,7 +3161,7 @@
           <a:p>
             <a:pPr lvl="0"/>
             <a:r>
-              <a:rPr lang="en-US" smtClean="0"/>
+              <a:rPr lang="en-US"/>
               <a:t>Click to edit Master text styles</a:t>
             </a:r>
           </a:p>
@@ -3179,7 +3185,7 @@
             <a:fld id="{B61BEF0D-F0BB-DE4B-95CE-6DB70DBA9567}" type="datetimeFigureOut">
               <a:rPr lang="en-US" dirty="0"/>
               <a:pPr/>
-              <a:t>9/7/2025</a:t>
+              <a:t>9/10/2025</a:t>
             </a:fld>
             <a:endParaRPr lang="en-US" dirty="0"/>
           </a:p>
@@ -3356,7 +3362,7 @@
           <a:lstStyle/>
           <a:p>
             <a:r>
-              <a:rPr lang="en-US" smtClean="0"/>
+              <a:rPr lang="en-US"/>
               <a:t>Click to edit Master title style</a:t>
             </a:r>
             <a:endParaRPr lang="en-US" dirty="0"/>
@@ -3387,35 +3393,35 @@
           <a:p>
             <a:pPr lvl="0"/>
             <a:r>
-              <a:rPr lang="en-US" smtClean="0"/>
+              <a:rPr lang="en-US"/>
               <a:t>Click to edit Master text styles</a:t>
             </a:r>
           </a:p>
           <a:p>
             <a:pPr lvl="1"/>
             <a:r>
-              <a:rPr lang="en-US" smtClean="0"/>
+              <a:rPr lang="en-US"/>
               <a:t>Second level</a:t>
             </a:r>
           </a:p>
           <a:p>
             <a:pPr lvl="2"/>
             <a:r>
-              <a:rPr lang="en-US" smtClean="0"/>
+              <a:rPr lang="en-US"/>
               <a:t>Third level</a:t>
             </a:r>
           </a:p>
           <a:p>
             <a:pPr lvl="3"/>
             <a:r>
-              <a:rPr lang="en-US" smtClean="0"/>
+              <a:rPr lang="en-US"/>
               <a:t>Fourth level</a:t>
             </a:r>
           </a:p>
           <a:p>
             <a:pPr lvl="4"/>
             <a:r>
-              <a:rPr lang="en-US" smtClean="0"/>
+              <a:rPr lang="en-US"/>
               <a:t>Fifth level</a:t>
             </a:r>
             <a:endParaRPr lang="en-US" dirty="0"/>
@@ -3446,35 +3452,35 @@
           <a:p>
             <a:pPr lvl="0"/>
             <a:r>
-              <a:rPr lang="en-US" smtClean="0"/>
+              <a:rPr lang="en-US"/>
               <a:t>Click to edit Master text styles</a:t>
             </a:r>
           </a:p>
           <a:p>
             <a:pPr lvl="1"/>
             <a:r>
-              <a:rPr lang="en-US" smtClean="0"/>
+              <a:rPr lang="en-US"/>
               <a:t>Second level</a:t>
             </a:r>
           </a:p>
           <a:p>
             <a:pPr lvl="2"/>
             <a:r>
-              <a:rPr lang="en-US" smtClean="0"/>
+              <a:rPr lang="en-US"/>
               <a:t>Third level</a:t>
             </a:r>
           </a:p>
           <a:p>
             <a:pPr lvl="3"/>
             <a:r>
-              <a:rPr lang="en-US" smtClean="0"/>
+              <a:rPr lang="en-US"/>
               <a:t>Fourth level</a:t>
             </a:r>
           </a:p>
           <a:p>
             <a:pPr lvl="4"/>
             <a:r>
-              <a:rPr lang="en-US" smtClean="0"/>
+              <a:rPr lang="en-US"/>
               <a:t>Fifth level</a:t>
             </a:r>
             <a:endParaRPr lang="en-US" dirty="0"/>
@@ -3499,7 +3505,7 @@
             <a:fld id="{B61BEF0D-F0BB-DE4B-95CE-6DB70DBA9567}" type="datetimeFigureOut">
               <a:rPr lang="en-US" dirty="0"/>
               <a:pPr/>
-              <a:t>9/7/2025</a:t>
+              <a:t>9/10/2025</a:t>
             </a:fld>
             <a:endParaRPr lang="en-US" dirty="0"/>
           </a:p>
@@ -3676,7 +3682,7 @@
           <a:lstStyle/>
           <a:p>
             <a:r>
-              <a:rPr lang="en-US" smtClean="0"/>
+              <a:rPr lang="en-US"/>
               <a:t>Click to edit Master title style</a:t>
             </a:r>
             <a:endParaRPr lang="en-US" dirty="0"/>
@@ -3744,7 +3750,7 @@
           <a:p>
             <a:pPr lvl="0"/>
             <a:r>
-              <a:rPr lang="en-US" smtClean="0"/>
+              <a:rPr lang="en-US"/>
               <a:t>Click to edit Master text styles</a:t>
             </a:r>
           </a:p>
@@ -3774,35 +3780,35 @@
           <a:p>
             <a:pPr lvl="0"/>
             <a:r>
-              <a:rPr lang="en-US" smtClean="0"/>
+              <a:rPr lang="en-US"/>
               <a:t>Click to edit Master text styles</a:t>
             </a:r>
           </a:p>
           <a:p>
             <a:pPr lvl="1"/>
             <a:r>
-              <a:rPr lang="en-US" smtClean="0"/>
+              <a:rPr lang="en-US"/>
               <a:t>Second level</a:t>
             </a:r>
           </a:p>
           <a:p>
             <a:pPr lvl="2"/>
             <a:r>
-              <a:rPr lang="en-US" smtClean="0"/>
+              <a:rPr lang="en-US"/>
               <a:t>Third level</a:t>
             </a:r>
           </a:p>
           <a:p>
             <a:pPr lvl="3"/>
             <a:r>
-              <a:rPr lang="en-US" smtClean="0"/>
+              <a:rPr lang="en-US"/>
               <a:t>Fourth level</a:t>
             </a:r>
           </a:p>
           <a:p>
             <a:pPr lvl="4"/>
             <a:r>
-              <a:rPr lang="en-US" smtClean="0"/>
+              <a:rPr lang="en-US"/>
               <a:t>Fifth level</a:t>
             </a:r>
             <a:endParaRPr lang="en-US" dirty="0"/>
@@ -3870,7 +3876,7 @@
           <a:p>
             <a:pPr lvl="0"/>
             <a:r>
-              <a:rPr lang="en-US" smtClean="0"/>
+              <a:rPr lang="en-US"/>
               <a:t>Click to edit Master text styles</a:t>
             </a:r>
           </a:p>
@@ -3900,35 +3906,35 @@
           <a:p>
             <a:pPr lvl="0"/>
             <a:r>
-              <a:rPr lang="en-US" smtClean="0"/>
+              <a:rPr lang="en-US"/>
               <a:t>Click to edit Master text styles</a:t>
             </a:r>
           </a:p>
           <a:p>
             <a:pPr lvl="1"/>
             <a:r>
-              <a:rPr lang="en-US" smtClean="0"/>
+              <a:rPr lang="en-US"/>
               <a:t>Second level</a:t>
             </a:r>
           </a:p>
           <a:p>
             <a:pPr lvl="2"/>
             <a:r>
-              <a:rPr lang="en-US" smtClean="0"/>
+              <a:rPr lang="en-US"/>
               <a:t>Third level</a:t>
             </a:r>
           </a:p>
           <a:p>
             <a:pPr lvl="3"/>
             <a:r>
-              <a:rPr lang="en-US" smtClean="0"/>
+              <a:rPr lang="en-US"/>
               <a:t>Fourth level</a:t>
             </a:r>
           </a:p>
           <a:p>
             <a:pPr lvl="4"/>
             <a:r>
-              <a:rPr lang="en-US" smtClean="0"/>
+              <a:rPr lang="en-US"/>
               <a:t>Fifth level</a:t>
             </a:r>
             <a:endParaRPr lang="en-US" dirty="0"/>
@@ -3953,7 +3959,7 @@
             <a:fld id="{B61BEF0D-F0BB-DE4B-95CE-6DB70DBA9567}" type="datetimeFigureOut">
               <a:rPr lang="en-US" dirty="0"/>
               <a:pPr/>
-              <a:t>9/7/2025</a:t>
+              <a:t>9/10/2025</a:t>
             </a:fld>
             <a:endParaRPr lang="en-US" dirty="0"/>
           </a:p>
@@ -4130,7 +4136,7 @@
           <a:lstStyle/>
           <a:p>
             <a:r>
-              <a:rPr lang="en-US" smtClean="0"/>
+              <a:rPr lang="en-US"/>
               <a:t>Click to edit Master title style</a:t>
             </a:r>
             <a:endParaRPr lang="en-US" dirty="0"/>
@@ -4155,7 +4161,7 @@
             <a:fld id="{B61BEF0D-F0BB-DE4B-95CE-6DB70DBA9567}" type="datetimeFigureOut">
               <a:rPr lang="en-US" dirty="0"/>
               <a:pPr/>
-              <a:t>9/7/2025</a:t>
+              <a:t>9/10/2025</a:t>
             </a:fld>
             <a:endParaRPr lang="en-US" dirty="0"/>
           </a:p>
@@ -4329,7 +4335,7 @@
             <a:fld id="{B61BEF0D-F0BB-DE4B-95CE-6DB70DBA9567}" type="datetimeFigureOut">
               <a:rPr lang="en-US" dirty="0"/>
               <a:pPr/>
-              <a:t>9/7/2025</a:t>
+              <a:t>9/10/2025</a:t>
             </a:fld>
             <a:endParaRPr lang="en-US" dirty="0"/>
           </a:p>
@@ -4510,7 +4516,7 @@
           </a:lstStyle>
           <a:p>
             <a:r>
-              <a:rPr lang="en-US" smtClean="0"/>
+              <a:rPr lang="en-US"/>
               <a:t>Click to edit Master title style</a:t>
             </a:r>
             <a:endParaRPr lang="en-US" dirty="0"/>
@@ -4541,35 +4547,35 @@
           <a:p>
             <a:pPr lvl="0"/>
             <a:r>
-              <a:rPr lang="en-US" smtClean="0"/>
+              <a:rPr lang="en-US"/>
               <a:t>Click to edit Master text styles</a:t>
             </a:r>
           </a:p>
           <a:p>
             <a:pPr lvl="1"/>
             <a:r>
-              <a:rPr lang="en-US" smtClean="0"/>
+              <a:rPr lang="en-US"/>
               <a:t>Second level</a:t>
             </a:r>
           </a:p>
           <a:p>
             <a:pPr lvl="2"/>
             <a:r>
-              <a:rPr lang="en-US" smtClean="0"/>
+              <a:rPr lang="en-US"/>
               <a:t>Third level</a:t>
             </a:r>
           </a:p>
           <a:p>
             <a:pPr lvl="3"/>
             <a:r>
-              <a:rPr lang="en-US" smtClean="0"/>
+              <a:rPr lang="en-US"/>
               <a:t>Fourth level</a:t>
             </a:r>
           </a:p>
           <a:p>
             <a:pPr lvl="4"/>
             <a:r>
-              <a:rPr lang="en-US" smtClean="0"/>
+              <a:rPr lang="en-US"/>
               <a:t>Fifth level</a:t>
             </a:r>
             <a:endParaRPr lang="en-US" dirty="0"/>
@@ -4635,7 +4641,7 @@
           <a:p>
             <a:pPr lvl="0"/>
             <a:r>
-              <a:rPr lang="en-US" smtClean="0"/>
+              <a:rPr lang="en-US"/>
               <a:t>Click to edit Master text styles</a:t>
             </a:r>
           </a:p>
@@ -4659,7 +4665,7 @@
             <a:fld id="{B61BEF0D-F0BB-DE4B-95CE-6DB70DBA9567}" type="datetimeFigureOut">
               <a:rPr lang="en-US" dirty="0"/>
               <a:pPr/>
-              <a:t>9/7/2025</a:t>
+              <a:t>9/10/2025</a:t>
             </a:fld>
             <a:endParaRPr lang="en-US" dirty="0"/>
           </a:p>
@@ -4842,7 +4848,7 @@
           </a:lstStyle>
           <a:p>
             <a:r>
-              <a:rPr lang="en-US" smtClean="0"/>
+              <a:rPr lang="en-US"/>
               <a:t>Click to edit Master title style</a:t>
             </a:r>
             <a:endParaRPr lang="en-US" dirty="0"/>
@@ -4909,7 +4915,7 @@
           </a:lstStyle>
           <a:p>
             <a:r>
-              <a:rPr lang="en-US" smtClean="0"/>
+              <a:rPr lang="en-US"/>
               <a:t>Click icon to add picture</a:t>
             </a:r>
             <a:endParaRPr lang="en-US" dirty="0"/>
@@ -4977,7 +4983,7 @@
           <a:p>
             <a:pPr lvl="0"/>
             <a:r>
-              <a:rPr lang="en-US" smtClean="0"/>
+              <a:rPr lang="en-US"/>
               <a:t>Click to edit Master text styles</a:t>
             </a:r>
           </a:p>
@@ -5001,7 +5007,7 @@
             <a:fld id="{B61BEF0D-F0BB-DE4B-95CE-6DB70DBA9567}" type="datetimeFigureOut">
               <a:rPr lang="en-US" dirty="0"/>
               <a:pPr/>
-              <a:t>9/7/2025</a:t>
+              <a:t>9/10/2025</a:t>
             </a:fld>
             <a:endParaRPr lang="en-US" dirty="0"/>
           </a:p>
@@ -7010,7 +7016,7 @@
           <a:lstStyle/>
           <a:p>
             <a:r>
-              <a:rPr lang="en-US" smtClean="0"/>
+              <a:rPr lang="en-US"/>
               <a:t>Click to edit Master title style</a:t>
             </a:r>
             <a:endParaRPr lang="en-US" dirty="0"/>
@@ -7044,35 +7050,35 @@
           <a:p>
             <a:pPr lvl="0"/>
             <a:r>
-              <a:rPr lang="en-US" smtClean="0"/>
+              <a:rPr lang="en-US"/>
               <a:t>Click to edit Master text styles</a:t>
             </a:r>
           </a:p>
           <a:p>
             <a:pPr lvl="1"/>
             <a:r>
-              <a:rPr lang="en-US" smtClean="0"/>
+              <a:rPr lang="en-US"/>
               <a:t>Second level</a:t>
             </a:r>
           </a:p>
           <a:p>
             <a:pPr lvl="2"/>
             <a:r>
-              <a:rPr lang="en-US" smtClean="0"/>
+              <a:rPr lang="en-US"/>
               <a:t>Third level</a:t>
             </a:r>
           </a:p>
           <a:p>
             <a:pPr lvl="3"/>
             <a:r>
-              <a:rPr lang="en-US" smtClean="0"/>
+              <a:rPr lang="en-US"/>
               <a:t>Fourth level</a:t>
             </a:r>
           </a:p>
           <a:p>
             <a:pPr lvl="4"/>
             <a:r>
-              <a:rPr lang="en-US" smtClean="0"/>
+              <a:rPr lang="en-US"/>
               <a:t>Fifth level</a:t>
             </a:r>
             <a:endParaRPr lang="en-US" dirty="0"/>
@@ -7115,7 +7121,7 @@
             <a:fld id="{B61BEF0D-F0BB-DE4B-95CE-6DB70DBA9567}" type="datetimeFigureOut">
               <a:rPr lang="en-US" dirty="0"/>
               <a:pPr/>
-              <a:t>9/7/2025</a:t>
+              <a:t>9/10/2025</a:t>
             </a:fld>
             <a:endParaRPr lang="en-US" dirty="0"/>
           </a:p>
@@ -7640,8 +7646,8 @@
         </p:nvSpPr>
         <p:spPr>
           <a:xfrm>
-            <a:off x="2589213" y="2514598"/>
-            <a:ext cx="8915399" cy="2262781"/>
+            <a:off x="2687862" y="1702514"/>
+            <a:ext cx="8709096" cy="2262781"/>
           </a:xfrm>
         </p:spPr>
         <p:txBody>
@@ -7651,14 +7657,11 @@
           <a:lstStyle/>
           <a:p>
             <a:r>
-              <a:rPr lang="en-IN" dirty="0" smtClean="0">
+              <a:rPr lang="en-IN" dirty="0">
                 <a:latin typeface="Bahnschrift Condensed" panose="020B0502040204020203" pitchFamily="34" charset="0"/>
               </a:rPr>
               <a:t>Calculating Family Expenses Using Service Now </a:t>
             </a:r>
-            <a:endParaRPr lang="en-IN" dirty="0">
-              <a:latin typeface="Bahnschrift Condensed" panose="020B0502040204020203" pitchFamily="34" charset="0"/>
-            </a:endParaRPr>
           </a:p>
         </p:txBody>
       </p:sp>
@@ -7672,40 +7675,36 @@
             <p:ph type="subTitle" idx="1"/>
           </p:nvPr>
         </p:nvSpPr>
-        <p:spPr/>
+        <p:spPr>
+          <a:xfrm>
+            <a:off x="2687862" y="4777379"/>
+            <a:ext cx="5179275" cy="1347639"/>
+          </a:xfrm>
+        </p:spPr>
         <p:txBody>
           <a:bodyPr/>
           <a:lstStyle/>
           <a:p>
             <a:r>
-              <a:rPr lang="en-IN" dirty="0" smtClean="0">
+              <a:rPr lang="en-IN" dirty="0">
+                <a:solidFill>
+                  <a:schemeClr val="tx1"/>
+                </a:solidFill>
                 <a:latin typeface="Bahnschrift SemiBold" panose="020B0502040204020203" pitchFamily="34" charset="0"/>
               </a:rPr>
-              <a:t>Nan </a:t>
-            </a:r>
-            <a:r>
-              <a:rPr lang="en-IN" dirty="0" err="1" smtClean="0">
-                <a:latin typeface="Bahnschrift SemiBold" panose="020B0502040204020203" pitchFamily="34" charset="0"/>
-              </a:rPr>
-              <a:t>Mudhalvan</a:t>
-            </a:r>
-            <a:r>
-              <a:rPr lang="en-IN" dirty="0" smtClean="0">
-                <a:latin typeface="Bahnschrift SemiBold" panose="020B0502040204020203" pitchFamily="34" charset="0"/>
-              </a:rPr>
-              <a:t> Project</a:t>
-            </a:r>
-          </a:p>
-          <a:p>
-            <a:r>
-              <a:rPr lang="en-IN" dirty="0" smtClean="0">
+              <a:t>NAAN  MUDHALVAN  PROJECT </a:t>
+            </a:r>
+          </a:p>
+          <a:p>
+            <a:r>
+              <a:rPr lang="en-IN" b="1" dirty="0">
+                <a:solidFill>
+                  <a:schemeClr val="tx1"/>
+                </a:solidFill>
                 <a:latin typeface="Bahnschrift SemiBold SemiConden" panose="020B0502040204020203" pitchFamily="34" charset="0"/>
               </a:rPr>
-              <a:t>NM  ID : 0BFFA110C675416AD294151ADEBE56CC</a:t>
-            </a:r>
-            <a:endParaRPr lang="en-IN" dirty="0">
-              <a:latin typeface="Bahnschrift SemiBold SemiConden" panose="020B0502040204020203" pitchFamily="34" charset="0"/>
-            </a:endParaRPr>
+              <a:t>TEAM ID : NM2025TMID13320</a:t>
+            </a:r>
           </a:p>
         </p:txBody>
       </p:sp>
@@ -7719,13 +7718,6 @@
   <p:clrMapOvr>
     <a:masterClrMapping/>
   </p:clrMapOvr>
-  <p:timing>
-    <p:tnLst>
-      <p:par>
-        <p:cTn id="1" dur="indefinite" restart="never" nodeType="tmRoot"/>
-      </p:par>
-    </p:tnLst>
-  </p:timing>
 </p:sld>
 </file>
 
@@ -7762,14 +7754,144 @@
           <a:lstStyle/>
           <a:p>
             <a:r>
-              <a:rPr lang="en-IN" dirty="0" err="1" smtClean="0"/>
+              <a:rPr lang="en-IN" dirty="0"/>
+              <a:t>Configure the Relationship </a:t>
+            </a:r>
+          </a:p>
+        </p:txBody>
+      </p:sp>
+      <p:pic>
+        <p:nvPicPr>
+          <p:cNvPr id="5" name="Content Placeholder 4"/>
+          <p:cNvPicPr>
+            <a:picLocks noGrp="1" noChangeAspect="1"/>
+          </p:cNvPicPr>
+          <p:nvPr>
+            <p:ph idx="1"/>
+          </p:nvPr>
+        </p:nvPicPr>
+        <p:blipFill>
+          <a:blip r:embed="rId2">
+            <a:extLst>
+              <a:ext uri="{28A0092B-C50C-407E-A947-70E740481C1C}">
+                <a14:useLocalDpi xmlns:a14="http://schemas.microsoft.com/office/drawing/2010/main" val="0"/>
+              </a:ext>
+            </a:extLst>
+          </a:blip>
+          <a:stretch>
+            <a:fillRect/>
+          </a:stretch>
+        </p:blipFill>
+        <p:spPr>
+          <a:xfrm>
+            <a:off x="6323013" y="1696955"/>
+            <a:ext cx="5181600" cy="2913227"/>
+          </a:xfrm>
+        </p:spPr>
+      </p:pic>
+      <p:sp>
+        <p:nvSpPr>
+          <p:cNvPr id="4" name="Text Placeholder 3"/>
+          <p:cNvSpPr>
+            <a:spLocks noGrp="1"/>
+          </p:cNvSpPr>
+          <p:nvPr>
+            <p:ph type="body" sz="half" idx="2"/>
+          </p:nvPr>
+        </p:nvSpPr>
+        <p:spPr/>
+        <p:txBody>
+          <a:bodyPr/>
+          <a:lstStyle/>
+          <a:p>
+            <a:r>
+              <a:rPr lang="en-IN" b="1" dirty="0"/>
+              <a:t>Go all &gt;&gt; search relationship </a:t>
+            </a:r>
+          </a:p>
+          <a:p>
+            <a:r>
+              <a:rPr lang="en-IN" b="1" dirty="0" err="1"/>
+              <a:t>Oopen</a:t>
+            </a:r>
+            <a:r>
+              <a:rPr lang="en-IN" b="1" dirty="0"/>
+              <a:t> daily expenses </a:t>
+            </a:r>
+          </a:p>
+          <a:p>
+            <a:r>
+              <a:rPr lang="en-IN" b="1" dirty="0"/>
+              <a:t>Applies select family expenses </a:t>
+            </a:r>
+          </a:p>
+          <a:p>
+            <a:r>
+              <a:rPr lang="en-IN" b="1" dirty="0"/>
+              <a:t>Then type a code </a:t>
+            </a:r>
+          </a:p>
+          <a:p>
+            <a:r>
+              <a:rPr lang="en-IN" b="1" dirty="0"/>
+              <a:t>Click on update</a:t>
+            </a:r>
+          </a:p>
+        </p:txBody>
+      </p:sp>
+    </p:spTree>
+    <p:extLst>
+      <p:ext uri="{BB962C8B-B14F-4D97-AF65-F5344CB8AC3E}">
+        <p14:creationId xmlns:p14="http://schemas.microsoft.com/office/powerpoint/2010/main" val="3997213560"/>
+      </p:ext>
+    </p:extLst>
+  </p:cSld>
+  <p:clrMapOvr>
+    <a:masterClrMapping/>
+  </p:clrMapOvr>
+</p:sld>
+</file>
+
+<file path=ppt/slides/slide11.xml><?xml version="1.0" encoding="utf-8"?>
+<p:sld xmlns:a="http://schemas.openxmlformats.org/drawingml/2006/main" xmlns:r="http://schemas.openxmlformats.org/officeDocument/2006/relationships" xmlns:p="http://schemas.openxmlformats.org/presentationml/2006/main">
+  <p:cSld>
+    <p:spTree>
+      <p:nvGrpSpPr>
+        <p:cNvPr id="1" name=""/>
+        <p:cNvGrpSpPr/>
+        <p:nvPr/>
+      </p:nvGrpSpPr>
+      <p:grpSpPr>
+        <a:xfrm>
+          <a:off x="0" y="0"/>
+          <a:ext cx="0" cy="0"/>
+          <a:chOff x="0" y="0"/>
+          <a:chExt cx="0" cy="0"/>
+        </a:xfrm>
+      </p:grpSpPr>
+      <p:sp>
+        <p:nvSpPr>
+          <p:cNvPr id="2" name="Title 1"/>
+          <p:cNvSpPr>
+            <a:spLocks noGrp="1"/>
+          </p:cNvSpPr>
+          <p:nvPr>
+            <p:ph type="title"/>
+          </p:nvPr>
+        </p:nvSpPr>
+        <p:spPr/>
+        <p:txBody>
+          <a:bodyPr/>
+          <a:lstStyle/>
+          <a:p>
+            <a:r>
+              <a:rPr lang="en-IN" dirty="0" err="1"/>
               <a:t>Conclution</a:t>
             </a:r>
             <a:r>
-              <a:rPr lang="en-IN" dirty="0" smtClean="0"/>
+              <a:rPr lang="en-IN" dirty="0"/>
               <a:t> </a:t>
             </a:r>
-            <a:endParaRPr lang="en-IN" dirty="0"/>
           </a:p>
         </p:txBody>
       </p:sp>
@@ -7798,13 +7920,7 @@
               <a:rPr lang="en-IN" dirty="0">
                 <a:latin typeface="Bahnschrift Condensed" panose="020B0502040204020203" pitchFamily="34" charset="0"/>
               </a:rPr>
-              <a:t>Calculating Family Expenses Using Service </a:t>
-            </a:r>
-            <a:r>
-              <a:rPr lang="en-IN" dirty="0" smtClean="0">
-                <a:latin typeface="Bahnschrift Condensed" panose="020B0502040204020203" pitchFamily="34" charset="0"/>
-              </a:rPr>
-              <a:t>Now </a:t>
+              <a:t>Calculating Family Expenses Using Service Now </a:t>
             </a:r>
           </a:p>
           <a:p>
@@ -7814,7 +7930,7 @@
           </a:p>
           <a:p>
             <a:r>
-              <a:rPr lang="en-IN" dirty="0" smtClean="0">
+              <a:rPr lang="en-IN" dirty="0">
                 <a:latin typeface="Bahnschrift Condensed" panose="020B0502040204020203" pitchFamily="34" charset="0"/>
               </a:rPr>
               <a:t>This Project Has Done By </a:t>
@@ -7826,7 +7942,7 @@
             </a:endParaRPr>
           </a:p>
           <a:p>
-            <a:endParaRPr lang="en-IN" dirty="0" smtClean="0">
+            <a:endParaRPr lang="en-IN" dirty="0">
               <a:latin typeface="Bahnschrift Condensed" panose="020B0502040204020203" pitchFamily="34" charset="0"/>
             </a:endParaRPr>
           </a:p>
@@ -7834,80 +7950,128 @@
       </p:sp>
       <p:sp>
         <p:nvSpPr>
-          <p:cNvPr id="4" name="Rectangle 3"/>
-          <p:cNvSpPr/>
+          <p:cNvPr id="5" name="TextBox 4">
+            <a:extLst>
+              <a:ext uri="{FF2B5EF4-FFF2-40B4-BE49-F238E27FC236}">
+                <a16:creationId xmlns:a16="http://schemas.microsoft.com/office/drawing/2014/main" id="{47961B55-160E-673E-6A01-D632B7B1B674}"/>
+              </a:ext>
+            </a:extLst>
+          </p:cNvPr>
+          <p:cNvSpPr txBox="1"/>
           <p:nvPr/>
         </p:nvSpPr>
         <p:spPr>
           <a:xfrm>
-            <a:off x="2592924" y="2631892"/>
-            <a:ext cx="2337499" cy="1200329"/>
+            <a:off x="5178707" y="951343"/>
+            <a:ext cx="1828800" cy="1828800"/>
           </a:xfrm>
           <a:prstGeom prst="rect">
             <a:avLst/>
           </a:prstGeom>
+          <a:noFill/>
         </p:spPr>
         <p:txBody>
-          <a:bodyPr wrap="none">
+          <a:bodyPr wrap="square" rtlCol="0">
             <a:spAutoFit/>
           </a:bodyPr>
           <a:lstStyle/>
           <a:p>
-            <a:pPr marL="342900" indent="-342900">
-              <a:buAutoNum type="arabicPeriod"/>
-            </a:pPr>
-            <a:r>
-              <a:rPr lang="en-IN" dirty="0" smtClean="0">
+            <a:pPr algn="l"/>
+            <a:endParaRPr lang="en-US"/>
+          </a:p>
+        </p:txBody>
+      </p:sp>
+      <p:sp>
+        <p:nvSpPr>
+          <p:cNvPr id="6" name="TextBox 5">
+            <a:extLst>
+              <a:ext uri="{FF2B5EF4-FFF2-40B4-BE49-F238E27FC236}">
+                <a16:creationId xmlns:a16="http://schemas.microsoft.com/office/drawing/2014/main" id="{BD815F39-9503-72F2-3A71-CB51FF6F664B}"/>
+              </a:ext>
+            </a:extLst>
+          </p:cNvPr>
+          <p:cNvSpPr txBox="1"/>
+          <p:nvPr/>
+        </p:nvSpPr>
+        <p:spPr>
+          <a:xfrm>
+            <a:off x="2592924" y="2631131"/>
+            <a:ext cx="6903150" cy="3416320"/>
+          </a:xfrm>
+          <a:prstGeom prst="rect">
+            <a:avLst/>
+          </a:prstGeom>
+          <a:noFill/>
+          <a:ln>
+            <a:noFill/>
+          </a:ln>
+        </p:spPr>
+        <p:style>
+          <a:lnRef idx="0">
+            <a:scrgbClr r="0" g="0" b="0"/>
+          </a:lnRef>
+          <a:fillRef idx="0">
+            <a:scrgbClr r="0" g="0" b="0"/>
+          </a:fillRef>
+          <a:effectRef idx="0">
+            <a:scrgbClr r="0" g="0" b="0"/>
+          </a:effectRef>
+          <a:fontRef idx="minor">
+            <a:schemeClr val="dk1"/>
+          </a:fontRef>
+        </p:style>
+        <p:txBody>
+          <a:bodyPr wrap="square" rtlCol="0" anchor="t">
+            <a:spAutoFit/>
+          </a:bodyPr>
+          <a:lstStyle/>
+          <a:p>
+            <a:r>
+              <a:rPr lang="en-IN" b="1" i="1"/>
+              <a:t>TEAM LEADER : </a:t>
+            </a:r>
+            <a:r>
+              <a:rPr lang="en-IN" b="1" i="1">
                 <a:solidFill>
                   <a:srgbClr val="FF0000"/>
                 </a:solidFill>
               </a:rPr>
-              <a:t>ARUN . S</a:t>
-            </a:r>
-          </a:p>
-          <a:p>
-            <a:pPr marL="342900" indent="-342900">
-              <a:buAutoNum type="arabicPeriod"/>
-            </a:pPr>
-            <a:r>
-              <a:rPr lang="en-IN" dirty="0" smtClean="0">
-                <a:solidFill>
-                  <a:srgbClr val="00B0F0"/>
-                </a:solidFill>
-              </a:rPr>
-              <a:t>ARUNKUMAR . D</a:t>
-            </a:r>
-          </a:p>
-          <a:p>
-            <a:pPr marL="342900" indent="-342900">
-              <a:buAutoNum type="arabicPeriod"/>
-            </a:pPr>
-            <a:r>
-              <a:rPr lang="en-IN" dirty="0" smtClean="0">
-                <a:solidFill>
-                  <a:srgbClr val="00B0F0"/>
-                </a:solidFill>
-              </a:rPr>
-              <a:t>BASKAR . P</a:t>
-            </a:r>
-          </a:p>
-          <a:p>
-            <a:pPr marL="342900" indent="-342900">
-              <a:buAutoNum type="arabicPeriod"/>
-            </a:pPr>
-            <a:r>
-              <a:rPr lang="en-IN" dirty="0" smtClean="0">
-                <a:solidFill>
-                  <a:srgbClr val="00B0F0"/>
-                </a:solidFill>
-              </a:rPr>
-              <a:t>AKSHAY . A</a:t>
-            </a:r>
-            <a:endParaRPr lang="en-IN" dirty="0">
-              <a:solidFill>
-                <a:srgbClr val="00B0F0"/>
-              </a:solidFill>
-            </a:endParaRPr>
+              <a:t>ARUN.S</a:t>
+            </a:r>
+          </a:p>
+          <a:p>
+            <a:r>
+              <a:rPr lang="en-IN" b="1" i="1"/>
+              <a:t>TEAM MEMBER 1: AKSHYA.A</a:t>
+            </a:r>
+          </a:p>
+          <a:p>
+            <a:r>
+              <a:rPr lang="en-IN" b="1" i="1"/>
+              <a:t>TEAM MEMBER 2: ARUNKUMAR.D</a:t>
+            </a:r>
+          </a:p>
+          <a:p>
+            <a:r>
+              <a:rPr lang="en-IN" b="1" i="1"/>
+              <a:t>TEAM MEMBER 3: BASKAR.P</a:t>
+            </a:r>
+          </a:p>
+          <a:p>
+            <a:endParaRPr lang="en-IN" b="1" i="1"/>
+          </a:p>
+          <a:p>
+            <a:endParaRPr lang="en-IN" b="1" i="1"/>
+          </a:p>
+          <a:p>
+            <a:endParaRPr lang="en-IN" b="1" i="1"/>
+          </a:p>
+          <a:p>
+            <a:r>
+              <a:rPr lang="en-IN" b="1" i="1"/>
+              <a:t>             Using ServiceNow to track family expenses streamlines budgeting through automation and clear reporting. It helps families monitor spending, improve financial planning, and make informed decisions more efficiently.</a:t>
+            </a:r>
+            <a:endParaRPr lang="en-US" b="1" i="1"/>
           </a:p>
         </p:txBody>
       </p:sp>
@@ -7943,24 +8107,105 @@
       </p:grpSpPr>
       <p:sp>
         <p:nvSpPr>
-          <p:cNvPr id="2" name="Title 1"/>
-          <p:cNvSpPr>
-            <a:spLocks noGrp="1"/>
-          </p:cNvSpPr>
-          <p:nvPr>
-            <p:ph type="title"/>
-          </p:nvPr>
-        </p:nvSpPr>
-        <p:spPr/>
+          <p:cNvPr id="4" name="Text Placeholder 3">
+            <a:extLst>
+              <a:ext uri="{FF2B5EF4-FFF2-40B4-BE49-F238E27FC236}">
+                <a16:creationId xmlns:a16="http://schemas.microsoft.com/office/drawing/2014/main" id="{43C24EA8-6B83-AB84-C30C-6510211CBD84}"/>
+              </a:ext>
+            </a:extLst>
+          </p:cNvPr>
+          <p:cNvSpPr>
+            <a:spLocks noGrp="1"/>
+          </p:cNvSpPr>
+          <p:nvPr>
+            <p:ph type="body" sz="half" idx="2"/>
+          </p:nvPr>
+        </p:nvSpPr>
+        <p:spPr>
+          <a:xfrm>
+            <a:off x="2304082" y="311164"/>
+            <a:ext cx="8493673" cy="6235672"/>
+          </a:xfrm>
+        </p:spPr>
         <p:txBody>
           <a:bodyPr/>
           <a:lstStyle/>
           <a:p>
-            <a:r>
-              <a:rPr lang="en-IN" dirty="0" smtClean="0"/>
+            <a:endParaRPr lang="en-IN"/>
+          </a:p>
+          <a:p>
+            <a:endParaRPr lang="en-IN"/>
+          </a:p>
+          <a:p>
+            <a:endParaRPr lang="en-IN"/>
+          </a:p>
+          <a:p>
+            <a:r>
+              <a:rPr lang="en-IN"/>
+              <a:t>                </a:t>
+            </a:r>
+            <a:r>
+              <a:rPr lang="en-IN" b="1"/>
+              <a:t>TEAM ID : NM2025TMID13320
+                Team Size : 4
+                Team Leader : ARUN . S
+                Team member : AKSHAY. A
+               Team member : ARUNKUMAR. D
+               Team member : BASKAR . P</a:t>
+            </a:r>
+            <a:endParaRPr lang="en-US" b="1"/>
+          </a:p>
+        </p:txBody>
+      </p:sp>
+    </p:spTree>
+    <p:extLst>
+      <p:ext uri="{BB962C8B-B14F-4D97-AF65-F5344CB8AC3E}">
+        <p14:creationId xmlns:p14="http://schemas.microsoft.com/office/powerpoint/2010/main" val="3834189451"/>
+      </p:ext>
+    </p:extLst>
+  </p:cSld>
+  <p:clrMapOvr>
+    <a:masterClrMapping/>
+  </p:clrMapOvr>
+</p:sld>
+</file>
+
+<file path=ppt/slides/slide3.xml><?xml version="1.0" encoding="utf-8"?>
+<p:sld xmlns:a="http://schemas.openxmlformats.org/drawingml/2006/main" xmlns:r="http://schemas.openxmlformats.org/officeDocument/2006/relationships" xmlns:p="http://schemas.openxmlformats.org/presentationml/2006/main">
+  <p:cSld>
+    <p:spTree>
+      <p:nvGrpSpPr>
+        <p:cNvPr id="1" name=""/>
+        <p:cNvGrpSpPr/>
+        <p:nvPr/>
+      </p:nvGrpSpPr>
+      <p:grpSpPr>
+        <a:xfrm>
+          <a:off x="0" y="0"/>
+          <a:ext cx="0" cy="0"/>
+          <a:chOff x="0" y="0"/>
+          <a:chExt cx="0" cy="0"/>
+        </a:xfrm>
+      </p:grpSpPr>
+      <p:sp>
+        <p:nvSpPr>
+          <p:cNvPr id="2" name="Title 1"/>
+          <p:cNvSpPr>
+            <a:spLocks noGrp="1"/>
+          </p:cNvSpPr>
+          <p:nvPr>
+            <p:ph type="title"/>
+          </p:nvPr>
+        </p:nvSpPr>
+        <p:spPr/>
+        <p:txBody>
+          <a:bodyPr/>
+          <a:lstStyle/>
+          <a:p>
+            <a:r>
+              <a:rPr lang="en-IN" dirty="0"/>
               <a:t>Creation Of New Update Set</a:t>
             </a:r>
-            <a:endParaRPr lang="en-IN" dirty="0"/>
           </a:p>
         </p:txBody>
       </p:sp>
@@ -8009,34 +8254,38 @@
           <a:lstStyle/>
           <a:p>
             <a:r>
-              <a:rPr lang="en-IN" dirty="0" smtClean="0"/>
-              <a:t> 1 . Go to all &gt; filter search for Local Update set .</a:t>
-            </a:r>
-          </a:p>
-          <a:p>
-            <a:endParaRPr lang="en-IN" dirty="0"/>
-          </a:p>
-          <a:p>
-            <a:r>
-              <a:rPr lang="en-IN" dirty="0" smtClean="0"/>
+              <a:rPr lang="en-IN" dirty="0"/>
+              <a:t> 1</a:t>
+            </a:r>
+            <a:r>
+              <a:rPr lang="en-IN" b="1" dirty="0"/>
+              <a:t> . Go to all &gt; filter search for Local Update set .</a:t>
+            </a:r>
+          </a:p>
+          <a:p>
+            <a:endParaRPr lang="en-IN" b="1" dirty="0"/>
+          </a:p>
+          <a:p>
+            <a:r>
+              <a:rPr lang="en-IN" b="1" dirty="0"/>
               <a:t>2 . Click new </a:t>
             </a:r>
           </a:p>
           <a:p>
-            <a:endParaRPr lang="en-IN" dirty="0" smtClean="0"/>
-          </a:p>
-          <a:p>
-            <a:r>
-              <a:rPr lang="en-IN" dirty="0" smtClean="0"/>
+            <a:endParaRPr lang="en-IN" b="1" dirty="0"/>
+          </a:p>
+          <a:p>
+            <a:r>
+              <a:rPr lang="en-IN" b="1" dirty="0"/>
               <a:t>3 . Enter detail name : Family Expenses</a:t>
             </a:r>
           </a:p>
           <a:p>
-            <a:endParaRPr lang="en-IN" dirty="0"/>
-          </a:p>
-          <a:p>
-            <a:r>
-              <a:rPr lang="en-IN" dirty="0" smtClean="0"/>
+            <a:endParaRPr lang="en-IN" b="1" dirty="0"/>
+          </a:p>
+          <a:p>
+            <a:r>
+              <a:rPr lang="en-IN" b="1" dirty="0"/>
               <a:t>4 . Submit and make current  </a:t>
             </a:r>
           </a:p>
@@ -8055,17 +8304,10 @@
   <p:clrMapOvr>
     <a:masterClrMapping/>
   </p:clrMapOvr>
-  <p:timing>
-    <p:tnLst>
-      <p:par>
-        <p:cTn id="1" dur="indefinite" restart="never" nodeType="tmRoot"/>
-      </p:par>
-    </p:tnLst>
-  </p:timing>
 </p:sld>
 </file>
 
-<file path=ppt/slides/slide3.xml><?xml version="1.0" encoding="utf-8"?>
+<file path=ppt/slides/slide4.xml><?xml version="1.0" encoding="utf-8"?>
 <p:sld xmlns:a="http://schemas.openxmlformats.org/drawingml/2006/main" xmlns:r="http://schemas.openxmlformats.org/officeDocument/2006/relationships" xmlns:p="http://schemas.openxmlformats.org/presentationml/2006/main">
   <p:cSld>
     <p:spTree>
@@ -8098,10 +8340,9 @@
           <a:lstStyle/>
           <a:p>
             <a:r>
-              <a:rPr lang="en-IN" dirty="0" smtClean="0"/>
+              <a:rPr lang="en-IN" dirty="0"/>
               <a:t>Creation Of Table</a:t>
             </a:r>
-            <a:endParaRPr lang="en-IN" dirty="0"/>
           </a:p>
         </p:txBody>
       </p:sp>
@@ -8121,52 +8362,50 @@
           <a:lstStyle/>
           <a:p>
             <a:r>
-              <a:rPr lang="en-IN" dirty="0" smtClean="0"/>
+              <a:rPr lang="en-IN" b="1" dirty="0"/>
               <a:t>Creation of new update set </a:t>
             </a:r>
-            <a:endParaRPr lang="en-IN" dirty="0"/>
-          </a:p>
-          <a:p>
-            <a:r>
-              <a:rPr lang="en-IN" dirty="0" smtClean="0"/>
+          </a:p>
+          <a:p>
+            <a:r>
+              <a:rPr lang="en-IN" b="1" dirty="0"/>
               <a:t>1.Go to all &gt; search for Local update set </a:t>
             </a:r>
           </a:p>
           <a:p>
-            <a:endParaRPr lang="en-IN" dirty="0"/>
-          </a:p>
-          <a:p>
-            <a:r>
-              <a:rPr lang="en-IN" dirty="0" smtClean="0"/>
+            <a:endParaRPr lang="en-IN" b="1" dirty="0"/>
+          </a:p>
+          <a:p>
+            <a:r>
+              <a:rPr lang="en-IN" b="1" dirty="0"/>
               <a:t>2. Click new </a:t>
             </a:r>
           </a:p>
           <a:p>
-            <a:endParaRPr lang="en-IN" dirty="0"/>
-          </a:p>
-          <a:p>
-            <a:r>
-              <a:rPr lang="en-IN" dirty="0" smtClean="0"/>
+            <a:endParaRPr lang="en-IN" b="1" dirty="0"/>
+          </a:p>
+          <a:p>
+            <a:r>
+              <a:rPr lang="en-IN" b="1" dirty="0"/>
               <a:t>3. </a:t>
             </a:r>
             <a:r>
-              <a:rPr lang="en-IN" dirty="0" err="1" smtClean="0"/>
+              <a:rPr lang="en-IN" b="1" dirty="0" err="1"/>
               <a:t>Deatil</a:t>
             </a:r>
             <a:r>
-              <a:rPr lang="en-IN" dirty="0" smtClean="0"/>
+              <a:rPr lang="en-IN" b="1" dirty="0"/>
               <a:t> = name - family expenses</a:t>
             </a:r>
           </a:p>
           <a:p>
-            <a:endParaRPr lang="en-IN" dirty="0" smtClean="0"/>
-          </a:p>
-          <a:p>
-            <a:r>
-              <a:rPr lang="en-IN" dirty="0" smtClean="0"/>
+            <a:endParaRPr lang="en-IN" b="1" dirty="0"/>
+          </a:p>
+          <a:p>
+            <a:r>
+              <a:rPr lang="en-IN" b="1" dirty="0"/>
               <a:t>4.Submit and make current</a:t>
             </a:r>
-            <a:endParaRPr lang="en-IN" dirty="0"/>
           </a:p>
         </p:txBody>
       </p:sp>
@@ -8209,17 +8448,10 @@
   <p:clrMapOvr>
     <a:masterClrMapping/>
   </p:clrMapOvr>
-  <p:timing>
-    <p:tnLst>
-      <p:par>
-        <p:cTn id="1" dur="indefinite" restart="never" nodeType="tmRoot"/>
-      </p:par>
-    </p:tnLst>
-  </p:timing>
 </p:sld>
 </file>
 
-<file path=ppt/slides/slide4.xml><?xml version="1.0" encoding="utf-8"?>
+<file path=ppt/slides/slide5.xml><?xml version="1.0" encoding="utf-8"?>
 <p:sld xmlns:a="http://schemas.openxmlformats.org/drawingml/2006/main" xmlns:r="http://schemas.openxmlformats.org/officeDocument/2006/relationships" xmlns:p="http://schemas.openxmlformats.org/presentationml/2006/main">
   <p:cSld>
     <p:spTree>
@@ -8252,10 +8484,9 @@
           <a:lstStyle/>
           <a:p>
             <a:r>
-              <a:rPr lang="en-IN" dirty="0" smtClean="0"/>
+              <a:rPr lang="en-IN" dirty="0"/>
               <a:t>Creation Table </a:t>
             </a:r>
-            <a:endParaRPr lang="en-IN" dirty="0"/>
           </a:p>
         </p:txBody>
       </p:sp>
@@ -8301,78 +8532,70 @@
         <p:spPr/>
         <p:txBody>
           <a:bodyPr>
-            <a:normAutofit fontScale="92500" lnSpcReduction="10000"/>
+            <a:normAutofit fontScale="92500" lnSpcReduction="20000"/>
           </a:bodyPr>
           <a:lstStyle/>
           <a:p>
             <a:r>
-              <a:rPr lang="en-IN" dirty="0" smtClean="0"/>
+              <a:rPr lang="en-IN" b="1" dirty="0"/>
               <a:t>Creation of family expense table</a:t>
             </a:r>
           </a:p>
           <a:p>
-            <a:endParaRPr lang="en-IN" dirty="0"/>
-          </a:p>
-          <a:p>
-            <a:r>
-              <a:rPr lang="en-IN" dirty="0"/>
-              <a:t> </a:t>
-            </a:r>
-            <a:r>
-              <a:rPr lang="en-IN" dirty="0" smtClean="0"/>
-              <a:t>1. </a:t>
-            </a:r>
-            <a:r>
-              <a:rPr lang="en-US" dirty="0"/>
+            <a:endParaRPr lang="en-IN" b="1" dirty="0"/>
+          </a:p>
+          <a:p>
+            <a:r>
+              <a:rPr lang="en-IN" b="1" dirty="0"/>
+              <a:t> 1. </a:t>
+            </a:r>
+            <a:r>
+              <a:rPr lang="en-US" b="1" dirty="0"/>
               <a:t>Go to All &gt; In the filter search for Tables &gt; click on New.</a:t>
             </a:r>
           </a:p>
           <a:p>
-            <a:endParaRPr lang="en-US" dirty="0"/>
-          </a:p>
-          <a:p>
-            <a:r>
-              <a:rPr lang="en-US" dirty="0"/>
+            <a:endParaRPr lang="en-US" b="1" dirty="0"/>
+          </a:p>
+          <a:p>
+            <a:r>
+              <a:rPr lang="en-US" b="1" dirty="0"/>
               <a:t>Enter the Details:</a:t>
             </a:r>
           </a:p>
           <a:p>
-            <a:endParaRPr lang="en-US" dirty="0"/>
-          </a:p>
-          <a:p>
-            <a:r>
-              <a:rPr lang="en-US" dirty="0"/>
+            <a:endParaRPr lang="en-US" b="1" dirty="0"/>
+          </a:p>
+          <a:p>
+            <a:r>
+              <a:rPr lang="en-US" b="1" dirty="0"/>
               <a:t>Label : Family Expenses</a:t>
             </a:r>
           </a:p>
           <a:p>
-            <a:endParaRPr lang="en-US" dirty="0"/>
-          </a:p>
-          <a:p>
-            <a:r>
-              <a:rPr lang="en-US" dirty="0"/>
+            <a:endParaRPr lang="en-US" b="1" dirty="0"/>
+          </a:p>
+          <a:p>
+            <a:r>
+              <a:rPr lang="en-US" b="1" dirty="0"/>
               <a:t>Name : Auto-Populated</a:t>
             </a:r>
           </a:p>
           <a:p>
-            <a:endParaRPr lang="en-US" dirty="0"/>
-          </a:p>
-          <a:p>
-            <a:r>
-              <a:rPr lang="en-US" dirty="0"/>
-              <a:t>New menu name : Family </a:t>
-            </a:r>
-            <a:r>
-              <a:rPr lang="en-US" dirty="0" smtClean="0"/>
-              <a:t>Expenditure</a:t>
-            </a:r>
-          </a:p>
-          <a:p>
-            <a:endParaRPr lang="en-US" dirty="0"/>
-          </a:p>
-          <a:p>
-            <a:r>
-              <a:rPr lang="en-US" dirty="0" smtClean="0"/>
+            <a:endParaRPr lang="en-US" b="1" dirty="0"/>
+          </a:p>
+          <a:p>
+            <a:r>
+              <a:rPr lang="en-US" b="1" dirty="0"/>
+              <a:t>New menu name : Family Expenditure</a:t>
+            </a:r>
+          </a:p>
+          <a:p>
+            <a:endParaRPr lang="en-US" b="1" dirty="0"/>
+          </a:p>
+          <a:p>
+            <a:r>
+              <a:rPr lang="en-US" b="1" dirty="0"/>
               <a:t>2. Go header right click there &gt; click save </a:t>
             </a:r>
           </a:p>
@@ -8391,7 +8614,7 @@
 </p:sld>
 </file>
 
-<file path=ppt/slides/slide5.xml><?xml version="1.0" encoding="utf-8"?>
+<file path=ppt/slides/slide6.xml><?xml version="1.0" encoding="utf-8"?>
 <p:sld xmlns:a="http://schemas.openxmlformats.org/drawingml/2006/main" xmlns:r="http://schemas.openxmlformats.org/officeDocument/2006/relationships" xmlns:p="http://schemas.openxmlformats.org/presentationml/2006/main">
   <p:cSld>
     <p:spTree>
@@ -8424,10 +8647,9 @@
           <a:lstStyle/>
           <a:p>
             <a:r>
-              <a:rPr lang="en-IN" dirty="0" smtClean="0"/>
+              <a:rPr lang="en-IN" dirty="0"/>
               <a:t>Creation of Columns(Fields)</a:t>
             </a:r>
-            <a:endParaRPr lang="en-IN" dirty="0"/>
           </a:p>
         </p:txBody>
       </p:sp>
@@ -8449,154 +8671,94 @@
           <a:lstStyle/>
           <a:p>
             <a:r>
-              <a:rPr lang="en-US" dirty="0"/>
-              <a:t>Column label : </a:t>
-            </a:r>
-            <a:r>
-              <a:rPr lang="en-US" dirty="0" smtClean="0"/>
-              <a:t>Number</a:t>
-            </a:r>
-          </a:p>
-          <a:p>
-            <a:r>
-              <a:rPr lang="en-US" dirty="0" smtClean="0"/>
-              <a:t>Type </a:t>
-            </a:r>
-            <a:r>
-              <a:rPr lang="en-US" dirty="0"/>
-              <a:t>: String</a:t>
-            </a:r>
-          </a:p>
-          <a:p>
-            <a:r>
-              <a:rPr lang="en-US" dirty="0" smtClean="0"/>
-              <a:t>Double </a:t>
-            </a:r>
-            <a:r>
-              <a:rPr lang="en-US" dirty="0"/>
-              <a:t>click on insert a new row again</a:t>
-            </a:r>
-          </a:p>
-          <a:p>
-            <a:r>
-              <a:rPr lang="en-US" dirty="0" smtClean="0"/>
-              <a:t>Give </a:t>
-            </a:r>
-            <a:r>
-              <a:rPr lang="en-US" dirty="0"/>
-              <a:t>the details as:</a:t>
-            </a:r>
-          </a:p>
-          <a:p>
-            <a:r>
-              <a:rPr lang="en-US" dirty="0" smtClean="0"/>
-              <a:t>Column </a:t>
-            </a:r>
-            <a:r>
-              <a:rPr lang="en-US" dirty="0"/>
-              <a:t>label : Date</a:t>
-            </a:r>
-          </a:p>
-          <a:p>
-            <a:r>
-              <a:rPr lang="en-US" dirty="0" smtClean="0"/>
-              <a:t>Type </a:t>
-            </a:r>
-            <a:r>
-              <a:rPr lang="en-US" dirty="0"/>
-              <a:t>: Date</a:t>
-            </a:r>
-          </a:p>
-          <a:p>
-            <a:r>
-              <a:rPr lang="en-US" dirty="0" smtClean="0"/>
-              <a:t>Double </a:t>
-            </a:r>
-            <a:r>
-              <a:rPr lang="en-US" dirty="0"/>
-              <a:t>click on insert a new row again</a:t>
-            </a:r>
-          </a:p>
-          <a:p>
-            <a:r>
-              <a:rPr lang="en-US" dirty="0" smtClean="0"/>
-              <a:t>Give </a:t>
-            </a:r>
-            <a:r>
-              <a:rPr lang="en-US" dirty="0"/>
-              <a:t>the details as:</a:t>
-            </a:r>
-          </a:p>
-          <a:p>
-            <a:r>
-              <a:rPr lang="en-US" dirty="0" smtClean="0"/>
-              <a:t>Column </a:t>
-            </a:r>
-            <a:r>
-              <a:rPr lang="en-US" dirty="0"/>
-              <a:t>label : Amount</a:t>
-            </a:r>
-          </a:p>
-          <a:p>
-            <a:r>
-              <a:rPr lang="en-US" dirty="0" smtClean="0"/>
-              <a:t>Type </a:t>
-            </a:r>
-            <a:r>
-              <a:rPr lang="en-US" dirty="0"/>
-              <a:t>: Integer</a:t>
-            </a:r>
-          </a:p>
-          <a:p>
-            <a:r>
-              <a:rPr lang="en-US" dirty="0" smtClean="0"/>
-              <a:t>Double </a:t>
-            </a:r>
-            <a:r>
-              <a:rPr lang="en-US" dirty="0"/>
-              <a:t>click on insert a new row again</a:t>
-            </a:r>
-          </a:p>
-          <a:p>
-            <a:r>
-              <a:rPr lang="en-US" dirty="0" smtClean="0"/>
-              <a:t>Give </a:t>
-            </a:r>
-            <a:r>
-              <a:rPr lang="en-US" dirty="0"/>
-              <a:t>the details as:</a:t>
-            </a:r>
-          </a:p>
-          <a:p>
-            <a:r>
-              <a:rPr lang="en-US" dirty="0" smtClean="0"/>
-              <a:t>Column </a:t>
-            </a:r>
-            <a:r>
-              <a:rPr lang="en-US" dirty="0"/>
-              <a:t>label : Expense Details</a:t>
-            </a:r>
-          </a:p>
-          <a:p>
-            <a:r>
-              <a:rPr lang="en-US" dirty="0" smtClean="0"/>
-              <a:t>Type </a:t>
-            </a:r>
-            <a:r>
-              <a:rPr lang="en-US" dirty="0"/>
-              <a:t>: String</a:t>
-            </a:r>
-          </a:p>
-          <a:p>
-            <a:r>
-              <a:rPr lang="en-US" dirty="0" smtClean="0"/>
-              <a:t>Max </a:t>
-            </a:r>
-            <a:r>
-              <a:rPr lang="en-US" dirty="0"/>
-              <a:t>length : 800</a:t>
-            </a:r>
-            <a:endParaRPr lang="en-IN" dirty="0"/>
+              <a:rPr lang="en-US" b="1" dirty="0"/>
+              <a:t>Column label : Number</a:t>
+            </a:r>
+          </a:p>
+          <a:p>
+            <a:r>
+              <a:rPr lang="en-US" b="1" dirty="0"/>
+              <a:t>Type : String</a:t>
+            </a:r>
+          </a:p>
+          <a:p>
+            <a:r>
+              <a:rPr lang="en-US" b="1" dirty="0"/>
+              <a:t>Double click on insert a new row again</a:t>
+            </a:r>
+          </a:p>
+          <a:p>
+            <a:r>
+              <a:rPr lang="en-US" b="1" dirty="0"/>
+              <a:t>Give the details as:</a:t>
+            </a:r>
+          </a:p>
+          <a:p>
+            <a:r>
+              <a:rPr lang="en-US" b="1" dirty="0"/>
+              <a:t>Column label : Date</a:t>
+            </a:r>
+          </a:p>
+          <a:p>
+            <a:r>
+              <a:rPr lang="en-US" b="1" dirty="0"/>
+              <a:t>Type : Date</a:t>
+            </a:r>
+          </a:p>
+          <a:p>
+            <a:r>
+              <a:rPr lang="en-US" b="1" dirty="0"/>
+              <a:t>Double click on insert a new row again</a:t>
+            </a:r>
+          </a:p>
+          <a:p>
+            <a:r>
+              <a:rPr lang="en-US" b="1" dirty="0"/>
+              <a:t>Give the details as:</a:t>
+            </a:r>
+          </a:p>
+          <a:p>
+            <a:r>
+              <a:rPr lang="en-US" b="1" dirty="0"/>
+              <a:t>Column label : Amount</a:t>
+            </a:r>
+          </a:p>
+          <a:p>
+            <a:r>
+              <a:rPr lang="en-US" b="1" dirty="0"/>
+              <a:t>Type : Integer</a:t>
+            </a:r>
+          </a:p>
+          <a:p>
+            <a:r>
+              <a:rPr lang="en-US" b="1" dirty="0"/>
+              <a:t>Double click on insert a new row again</a:t>
+            </a:r>
+          </a:p>
+          <a:p>
+            <a:r>
+              <a:rPr lang="en-US" b="1" dirty="0"/>
+              <a:t>Give the details as:</a:t>
+            </a:r>
+          </a:p>
+          <a:p>
+            <a:r>
+              <a:rPr lang="en-US" b="1" dirty="0"/>
+              <a:t>Column label : Expense Details</a:t>
+            </a:r>
+          </a:p>
+          <a:p>
+            <a:r>
+              <a:rPr lang="en-US" b="1" dirty="0"/>
+              <a:t>Type : String</a:t>
+            </a:r>
+          </a:p>
+          <a:p>
+            <a:r>
+              <a:rPr lang="en-US" b="1" dirty="0"/>
+              <a:t>Max length : 800</a:t>
+            </a:r>
+            <a:endParaRPr lang="en-IN" b="1" dirty="0"/>
           </a:p>
         </p:txBody>
       </p:sp>
@@ -8642,7 +8804,7 @@
 </p:sld>
 </file>
 
-<file path=ppt/slides/slide6.xml><?xml version="1.0" encoding="utf-8"?>
+<file path=ppt/slides/slide7.xml><?xml version="1.0" encoding="utf-8"?>
 <p:sld xmlns:a="http://schemas.openxmlformats.org/drawingml/2006/main" xmlns:r="http://schemas.openxmlformats.org/officeDocument/2006/relationships" xmlns:p="http://schemas.openxmlformats.org/presentationml/2006/main">
   <p:cSld>
     <p:spTree>
@@ -8675,10 +8837,9 @@
           <a:lstStyle/>
           <a:p>
             <a:r>
-              <a:rPr lang="en-IN" dirty="0" smtClean="0"/>
+              <a:rPr lang="en-IN" dirty="0"/>
               <a:t>Configure the Form</a:t>
             </a:r>
-            <a:endParaRPr lang="en-IN" dirty="0"/>
           </a:p>
         </p:txBody>
       </p:sp>
@@ -8727,34 +8888,33 @@
           <a:lstStyle/>
           <a:p>
             <a:r>
-              <a:rPr lang="en-IN" dirty="0" smtClean="0"/>
+              <a:rPr lang="en-IN" b="1" dirty="0"/>
               <a:t>Go all &gt; search family expenses </a:t>
             </a:r>
           </a:p>
           <a:p>
             <a:r>
-              <a:rPr lang="en-IN" dirty="0" smtClean="0"/>
+              <a:rPr lang="en-IN" b="1" dirty="0"/>
               <a:t>Click new </a:t>
             </a:r>
           </a:p>
           <a:p>
             <a:r>
-              <a:rPr lang="en-IN" dirty="0" smtClean="0"/>
+              <a:rPr lang="en-IN" b="1" dirty="0"/>
               <a:t>Header configure select form design </a:t>
             </a:r>
           </a:p>
           <a:p>
             <a:r>
-              <a:rPr lang="en-IN" dirty="0" smtClean="0"/>
+              <a:rPr lang="en-IN" b="1" dirty="0"/>
               <a:t>Make date , amount, mandatory </a:t>
             </a:r>
           </a:p>
           <a:p>
             <a:r>
-              <a:rPr lang="en-IN" dirty="0" smtClean="0"/>
+              <a:rPr lang="en-IN" b="1" dirty="0"/>
               <a:t>Click save</a:t>
             </a:r>
-            <a:endParaRPr lang="en-IN" dirty="0"/>
           </a:p>
         </p:txBody>
       </p:sp>
@@ -8762,129 +8922,6 @@
     <p:extLst>
       <p:ext uri="{BB962C8B-B14F-4D97-AF65-F5344CB8AC3E}">
         <p14:creationId xmlns:p14="http://schemas.microsoft.com/office/powerpoint/2010/main" val="858405676"/>
-      </p:ext>
-    </p:extLst>
-  </p:cSld>
-  <p:clrMapOvr>
-    <a:masterClrMapping/>
-  </p:clrMapOvr>
-</p:sld>
-</file>
-
-<file path=ppt/slides/slide7.xml><?xml version="1.0" encoding="utf-8"?>
-<p:sld xmlns:a="http://schemas.openxmlformats.org/drawingml/2006/main" xmlns:r="http://schemas.openxmlformats.org/officeDocument/2006/relationships" xmlns:p="http://schemas.openxmlformats.org/presentationml/2006/main">
-  <p:cSld>
-    <p:spTree>
-      <p:nvGrpSpPr>
-        <p:cNvPr id="1" name=""/>
-        <p:cNvGrpSpPr/>
-        <p:nvPr/>
-      </p:nvGrpSpPr>
-      <p:grpSpPr>
-        <a:xfrm>
-          <a:off x="0" y="0"/>
-          <a:ext cx="0" cy="0"/>
-          <a:chOff x="0" y="0"/>
-          <a:chExt cx="0" cy="0"/>
-        </a:xfrm>
-      </p:grpSpPr>
-      <p:sp>
-        <p:nvSpPr>
-          <p:cNvPr id="2" name="Title 1"/>
-          <p:cNvSpPr>
-            <a:spLocks noGrp="1"/>
-          </p:cNvSpPr>
-          <p:nvPr>
-            <p:ph type="title"/>
-          </p:nvPr>
-        </p:nvSpPr>
-        <p:spPr/>
-        <p:txBody>
-          <a:bodyPr/>
-          <a:lstStyle/>
-          <a:p>
-            <a:r>
-              <a:rPr lang="en-IN" dirty="0" smtClean="0"/>
-              <a:t>Creation of Daily Expenses Table </a:t>
-            </a:r>
-            <a:endParaRPr lang="en-IN" dirty="0"/>
-          </a:p>
-        </p:txBody>
-      </p:sp>
-      <p:pic>
-        <p:nvPicPr>
-          <p:cNvPr id="5" name="Content Placeholder 4"/>
-          <p:cNvPicPr>
-            <a:picLocks noGrp="1" noChangeAspect="1"/>
-          </p:cNvPicPr>
-          <p:nvPr>
-            <p:ph idx="1"/>
-          </p:nvPr>
-        </p:nvPicPr>
-        <p:blipFill>
-          <a:blip r:embed="rId2">
-            <a:extLst>
-              <a:ext uri="{28A0092B-C50C-407E-A947-70E740481C1C}">
-                <a14:useLocalDpi xmlns:a14="http://schemas.microsoft.com/office/drawing/2010/main" val="0"/>
-              </a:ext>
-            </a:extLst>
-          </a:blip>
-          <a:stretch>
-            <a:fillRect/>
-          </a:stretch>
-        </p:blipFill>
-        <p:spPr>
-          <a:xfrm>
-            <a:off x="6323013" y="1696955"/>
-            <a:ext cx="5181600" cy="2913227"/>
-          </a:xfrm>
-        </p:spPr>
-      </p:pic>
-      <p:sp>
-        <p:nvSpPr>
-          <p:cNvPr id="4" name="Text Placeholder 3"/>
-          <p:cNvSpPr>
-            <a:spLocks noGrp="1"/>
-          </p:cNvSpPr>
-          <p:nvPr>
-            <p:ph type="body" sz="half" idx="2"/>
-          </p:nvPr>
-        </p:nvSpPr>
-        <p:spPr/>
-        <p:txBody>
-          <a:bodyPr/>
-          <a:lstStyle/>
-          <a:p>
-            <a:r>
-              <a:rPr lang="en-IN" dirty="0" smtClean="0"/>
-              <a:t>Go all &gt; search tables </a:t>
-            </a:r>
-          </a:p>
-          <a:p>
-            <a:r>
-              <a:rPr lang="en-IN" dirty="0" smtClean="0"/>
-              <a:t>Details : daily expenses </a:t>
-            </a:r>
-          </a:p>
-          <a:p>
-            <a:r>
-              <a:rPr lang="en-IN" dirty="0" smtClean="0"/>
-              <a:t>Name : auto populated </a:t>
-            </a:r>
-          </a:p>
-          <a:p>
-            <a:r>
-              <a:rPr lang="en-IN" dirty="0" smtClean="0"/>
-              <a:t>Click right there and save </a:t>
-            </a:r>
-            <a:endParaRPr lang="en-IN" dirty="0"/>
-          </a:p>
-        </p:txBody>
-      </p:sp>
-    </p:spTree>
-    <p:extLst>
-      <p:ext uri="{BB962C8B-B14F-4D97-AF65-F5344CB8AC3E}">
-        <p14:creationId xmlns:p14="http://schemas.microsoft.com/office/powerpoint/2010/main" val="1691717844"/>
       </p:ext>
     </p:extLst>
   </p:cSld>
@@ -8927,10 +8964,9 @@
           <a:lstStyle/>
           <a:p>
             <a:r>
-              <a:rPr lang="en-IN" dirty="0" smtClean="0"/>
-              <a:t>Creation of Business Rules </a:t>
-            </a:r>
-            <a:endParaRPr lang="en-IN" dirty="0"/>
+              <a:rPr lang="en-IN" dirty="0"/>
+              <a:t>Creation of Daily Expenses Table </a:t>
+            </a:r>
           </a:p>
         </p:txBody>
       </p:sp>
@@ -8979,47 +9015,34 @@
           <a:lstStyle/>
           <a:p>
             <a:r>
-              <a:rPr lang="en-IN" dirty="0" smtClean="0"/>
-              <a:t>Go all &gt; search Business rules </a:t>
-            </a:r>
-          </a:p>
-          <a:p>
-            <a:r>
-              <a:rPr lang="en-IN" dirty="0" smtClean="0"/>
-              <a:t>Detail name : family expenses BR </a:t>
-            </a:r>
-          </a:p>
-          <a:p>
-            <a:r>
-              <a:rPr lang="en-IN" dirty="0" smtClean="0"/>
-              <a:t>Table : daily expenses </a:t>
-            </a:r>
-          </a:p>
-          <a:p>
-            <a:r>
-              <a:rPr lang="en-IN" dirty="0" smtClean="0"/>
-              <a:t>When to run check insert and update </a:t>
-            </a:r>
-          </a:p>
-          <a:p>
-            <a:r>
-              <a:rPr lang="en-IN" dirty="0" smtClean="0"/>
-              <a:t>Then type code </a:t>
-            </a:r>
-          </a:p>
-          <a:p>
-            <a:r>
-              <a:rPr lang="en-IN" dirty="0" smtClean="0"/>
-              <a:t>Go to header and right click there &gt;&gt; click on save</a:t>
-            </a:r>
-            <a:endParaRPr lang="en-IN" dirty="0"/>
+              <a:rPr lang="en-IN" b="1" dirty="0"/>
+              <a:t>Go all &gt; search tables </a:t>
+            </a:r>
+          </a:p>
+          <a:p>
+            <a:r>
+              <a:rPr lang="en-IN" b="1" dirty="0"/>
+              <a:t>Details : daily expenses </a:t>
+            </a:r>
+          </a:p>
+          <a:p>
+            <a:r>
+              <a:rPr lang="en-IN" b="1" dirty="0"/>
+              <a:t>Name : auto populated </a:t>
+            </a:r>
+          </a:p>
+          <a:p>
+            <a:r>
+              <a:rPr lang="en-IN" b="1" dirty="0"/>
+              <a:t>Click right there and save </a:t>
+            </a:r>
           </a:p>
         </p:txBody>
       </p:sp>
     </p:spTree>
     <p:extLst>
       <p:ext uri="{BB962C8B-B14F-4D97-AF65-F5344CB8AC3E}">
-        <p14:creationId xmlns:p14="http://schemas.microsoft.com/office/powerpoint/2010/main" val="1130086235"/>
+        <p14:creationId xmlns:p14="http://schemas.microsoft.com/office/powerpoint/2010/main" val="1691717844"/>
       </p:ext>
     </p:extLst>
   </p:cSld>
@@ -9062,10 +9085,9 @@
           <a:lstStyle/>
           <a:p>
             <a:r>
-              <a:rPr lang="en-IN" dirty="0" smtClean="0"/>
-              <a:t>Configure the Relationship </a:t>
-            </a:r>
-            <a:endParaRPr lang="en-IN" dirty="0"/>
+              <a:rPr lang="en-IN" dirty="0"/>
+              <a:t>Creation of Business Rules </a:t>
+            </a:r>
           </a:p>
         </p:txBody>
       </p:sp>
@@ -9114,45 +9136,46 @@
           <a:lstStyle/>
           <a:p>
             <a:r>
-              <a:rPr lang="en-IN" dirty="0" smtClean="0"/>
-              <a:t>Go all &gt;&gt; search relationship </a:t>
-            </a:r>
-          </a:p>
-          <a:p>
-            <a:r>
-              <a:rPr lang="en-IN" dirty="0" err="1" smtClean="0"/>
-              <a:t>Oopen</a:t>
-            </a:r>
-            <a:r>
-              <a:rPr lang="en-IN" dirty="0" smtClean="0"/>
-              <a:t> daily expenses </a:t>
-            </a:r>
-          </a:p>
-          <a:p>
-            <a:r>
-              <a:rPr lang="en-IN" dirty="0" smtClean="0"/>
-              <a:t>Applies select family expenses </a:t>
-            </a:r>
-          </a:p>
-          <a:p>
-            <a:r>
-              <a:rPr lang="en-IN" dirty="0" smtClean="0"/>
-              <a:t>Then type a code </a:t>
-            </a:r>
-          </a:p>
-          <a:p>
-            <a:r>
-              <a:rPr lang="en-IN" dirty="0" smtClean="0"/>
-              <a:t>Click on update</a:t>
-            </a:r>
-            <a:endParaRPr lang="en-IN" dirty="0"/>
+              <a:rPr lang="en-IN" b="1" dirty="0"/>
+              <a:t>Go all &gt; search Business rules </a:t>
+            </a:r>
+          </a:p>
+          <a:p>
+            <a:r>
+              <a:rPr lang="en-IN" b="1" dirty="0"/>
+              <a:t>Detail name : family expenses BR </a:t>
+            </a:r>
+          </a:p>
+          <a:p>
+            <a:r>
+              <a:rPr lang="en-IN" b="1" dirty="0"/>
+              <a:t>Table : daily expenses </a:t>
+            </a:r>
+          </a:p>
+          <a:p>
+            <a:r>
+              <a:rPr lang="en-IN" b="1" dirty="0"/>
+              <a:t>When to run check insert and update </a:t>
+            </a:r>
+          </a:p>
+          <a:p>
+            <a:r>
+              <a:rPr lang="en-IN" b="1" dirty="0"/>
+              <a:t>Then type code </a:t>
+            </a:r>
+          </a:p>
+          <a:p>
+            <a:r>
+              <a:rPr lang="en-IN" b="1" dirty="0"/>
+              <a:t>Go to header and right click there &gt;&gt; click on save</a:t>
+            </a:r>
           </a:p>
         </p:txBody>
       </p:sp>
     </p:spTree>
     <p:extLst>
       <p:ext uri="{BB962C8B-B14F-4D97-AF65-F5344CB8AC3E}">
-        <p14:creationId xmlns:p14="http://schemas.microsoft.com/office/powerpoint/2010/main" val="3997213560"/>
+        <p14:creationId xmlns:p14="http://schemas.microsoft.com/office/powerpoint/2010/main" val="1130086235"/>
       </p:ext>
     </p:extLst>
   </p:cSld>
